--- a/ppt 16-9/1470.十架大全能.pptx
+++ b/ppt 16-9/1470.十架大全能.pptx
@@ -129,7 +129,7 @@
           <p:cNvPr id="2" name="标题 1">
             <a:extLst>
               <a:ext uri="{FF2B5EF4-FFF2-40B4-BE49-F238E27FC236}">
-                <a16:creationId xmlns:a16="http://schemas.microsoft.com/office/drawing/2014/main" id="{AE2FF92C-A846-B250-5976-D05A34C29ABB}"/>
+                <a16:creationId xmlns:a16="http://schemas.microsoft.com/office/drawing/2014/main" id="{002D98B9-EB3E-9F5E-0449-C7A8B2B346CD}"/>
               </a:ext>
             </a:extLst>
           </p:cNvPr>
@@ -166,7 +166,7 @@
           <p:cNvPr id="3" name="副标题 2">
             <a:extLst>
               <a:ext uri="{FF2B5EF4-FFF2-40B4-BE49-F238E27FC236}">
-                <a16:creationId xmlns:a16="http://schemas.microsoft.com/office/drawing/2014/main" id="{C35FEB82-6AD6-C009-40FD-BB9E8F18F5BC}"/>
+                <a16:creationId xmlns:a16="http://schemas.microsoft.com/office/drawing/2014/main" id="{7F4E291C-3A4F-164D-B11F-F5F5E70A2ACD}"/>
               </a:ext>
             </a:extLst>
           </p:cNvPr>
@@ -236,7 +236,7 @@
           <p:cNvPr id="4" name="日期占位符 3">
             <a:extLst>
               <a:ext uri="{FF2B5EF4-FFF2-40B4-BE49-F238E27FC236}">
-                <a16:creationId xmlns:a16="http://schemas.microsoft.com/office/drawing/2014/main" id="{868E405C-2447-17B5-5C8C-28B602779BFA}"/>
+                <a16:creationId xmlns:a16="http://schemas.microsoft.com/office/drawing/2014/main" id="{53396C68-4FB0-ECFB-2ABB-A66EA64F951C}"/>
               </a:ext>
             </a:extLst>
           </p:cNvPr>
@@ -252,7 +252,7 @@
           <a:bodyPr/>
           <a:lstStyle/>
           <a:p>
-            <a:fld id="{849CDF33-60C9-4984-88DF-4B986EE03698}" type="datetimeFigureOut">
+            <a:fld id="{8ACB63DF-1F8F-43E2-8225-233E3C0BBACA}" type="datetimeFigureOut">
               <a:rPr lang="zh-CN" altLang="en-US" smtClean="0"/>
               <a:t>2024/3/10</a:t>
             </a:fld>
@@ -265,7 +265,7 @@
           <p:cNvPr id="5" name="页脚占位符 4">
             <a:extLst>
               <a:ext uri="{FF2B5EF4-FFF2-40B4-BE49-F238E27FC236}">
-                <a16:creationId xmlns:a16="http://schemas.microsoft.com/office/drawing/2014/main" id="{71735238-6F2A-021E-DD05-BD55F29AD460}"/>
+                <a16:creationId xmlns:a16="http://schemas.microsoft.com/office/drawing/2014/main" id="{F8D89A60-B8B0-A5D2-884A-8336EA8C2DAF}"/>
               </a:ext>
             </a:extLst>
           </p:cNvPr>
@@ -290,7 +290,7 @@
           <p:cNvPr id="6" name="灯片编号占位符 5">
             <a:extLst>
               <a:ext uri="{FF2B5EF4-FFF2-40B4-BE49-F238E27FC236}">
-                <a16:creationId xmlns:a16="http://schemas.microsoft.com/office/drawing/2014/main" id="{B98B0205-93D5-8742-5219-4C9C88321E56}"/>
+                <a16:creationId xmlns:a16="http://schemas.microsoft.com/office/drawing/2014/main" id="{42996CFB-91A9-245E-DE25-CAED86130AA0}"/>
               </a:ext>
             </a:extLst>
           </p:cNvPr>
@@ -306,7 +306,7 @@
           <a:bodyPr/>
           <a:lstStyle/>
           <a:p>
-            <a:fld id="{A1B6061D-B33B-4161-9FF8-5D40D59998D3}" type="slidenum">
+            <a:fld id="{411D4FB6-179E-41E1-BA20-172FBBB8CEAE}" type="slidenum">
               <a:rPr lang="zh-CN" altLang="en-US" smtClean="0"/>
               <a:t>‹#›</a:t>
             </a:fld>
@@ -317,7 +317,7 @@
     </p:spTree>
     <p:extLst>
       <p:ext uri="{BB962C8B-B14F-4D97-AF65-F5344CB8AC3E}">
-        <p14:creationId xmlns:p14="http://schemas.microsoft.com/office/powerpoint/2010/main" val="1301647495"/>
+        <p14:creationId xmlns:p14="http://schemas.microsoft.com/office/powerpoint/2010/main" val="1179479552"/>
       </p:ext>
     </p:extLst>
   </p:cSld>
@@ -349,7 +349,7 @@
           <p:cNvPr id="2" name="标题 1">
             <a:extLst>
               <a:ext uri="{FF2B5EF4-FFF2-40B4-BE49-F238E27FC236}">
-                <a16:creationId xmlns:a16="http://schemas.microsoft.com/office/drawing/2014/main" id="{E7789765-CFC4-C98D-EFD0-4DB3B7E12DEF}"/>
+                <a16:creationId xmlns:a16="http://schemas.microsoft.com/office/drawing/2014/main" id="{325937AD-EC4A-DA45-2354-C88F031BB14D}"/>
               </a:ext>
             </a:extLst>
           </p:cNvPr>
@@ -377,7 +377,7 @@
           <p:cNvPr id="3" name="竖排文字占位符 2">
             <a:extLst>
               <a:ext uri="{FF2B5EF4-FFF2-40B4-BE49-F238E27FC236}">
-                <a16:creationId xmlns:a16="http://schemas.microsoft.com/office/drawing/2014/main" id="{8BC6F162-3F95-F4F3-2819-91A188B6B9B7}"/>
+                <a16:creationId xmlns:a16="http://schemas.microsoft.com/office/drawing/2014/main" id="{3794D72E-5774-D591-423F-735752F892DC}"/>
               </a:ext>
             </a:extLst>
           </p:cNvPr>
@@ -434,7 +434,7 @@
           <p:cNvPr id="4" name="日期占位符 3">
             <a:extLst>
               <a:ext uri="{FF2B5EF4-FFF2-40B4-BE49-F238E27FC236}">
-                <a16:creationId xmlns:a16="http://schemas.microsoft.com/office/drawing/2014/main" id="{C47A3B67-6FF3-F088-F39A-08A5449157B8}"/>
+                <a16:creationId xmlns:a16="http://schemas.microsoft.com/office/drawing/2014/main" id="{44011F1E-E204-9863-38A4-D188941146BC}"/>
               </a:ext>
             </a:extLst>
           </p:cNvPr>
@@ -450,7 +450,7 @@
           <a:bodyPr/>
           <a:lstStyle/>
           <a:p>
-            <a:fld id="{849CDF33-60C9-4984-88DF-4B986EE03698}" type="datetimeFigureOut">
+            <a:fld id="{8ACB63DF-1F8F-43E2-8225-233E3C0BBACA}" type="datetimeFigureOut">
               <a:rPr lang="zh-CN" altLang="en-US" smtClean="0"/>
               <a:t>2024/3/10</a:t>
             </a:fld>
@@ -463,7 +463,7 @@
           <p:cNvPr id="5" name="页脚占位符 4">
             <a:extLst>
               <a:ext uri="{FF2B5EF4-FFF2-40B4-BE49-F238E27FC236}">
-                <a16:creationId xmlns:a16="http://schemas.microsoft.com/office/drawing/2014/main" id="{E21C1A58-753A-0CEE-E77B-E1FE05F67A2F}"/>
+                <a16:creationId xmlns:a16="http://schemas.microsoft.com/office/drawing/2014/main" id="{068386CE-9782-D3AE-50AE-E2D417FEA22D}"/>
               </a:ext>
             </a:extLst>
           </p:cNvPr>
@@ -488,7 +488,7 @@
           <p:cNvPr id="6" name="灯片编号占位符 5">
             <a:extLst>
               <a:ext uri="{FF2B5EF4-FFF2-40B4-BE49-F238E27FC236}">
-                <a16:creationId xmlns:a16="http://schemas.microsoft.com/office/drawing/2014/main" id="{B1D9492C-682D-FA4E-72DD-AC6B120E6705}"/>
+                <a16:creationId xmlns:a16="http://schemas.microsoft.com/office/drawing/2014/main" id="{579C0BDE-99A0-8D6F-1B1D-8D5C12BB6C5A}"/>
               </a:ext>
             </a:extLst>
           </p:cNvPr>
@@ -504,7 +504,7 @@
           <a:bodyPr/>
           <a:lstStyle/>
           <a:p>
-            <a:fld id="{A1B6061D-B33B-4161-9FF8-5D40D59998D3}" type="slidenum">
+            <a:fld id="{411D4FB6-179E-41E1-BA20-172FBBB8CEAE}" type="slidenum">
               <a:rPr lang="zh-CN" altLang="en-US" smtClean="0"/>
               <a:t>‹#›</a:t>
             </a:fld>
@@ -515,7 +515,7 @@
     </p:spTree>
     <p:extLst>
       <p:ext uri="{BB962C8B-B14F-4D97-AF65-F5344CB8AC3E}">
-        <p14:creationId xmlns:p14="http://schemas.microsoft.com/office/powerpoint/2010/main" val="680617045"/>
+        <p14:creationId xmlns:p14="http://schemas.microsoft.com/office/powerpoint/2010/main" val="3517248405"/>
       </p:ext>
     </p:extLst>
   </p:cSld>
@@ -547,7 +547,7 @@
           <p:cNvPr id="2" name="竖排标题 1">
             <a:extLst>
               <a:ext uri="{FF2B5EF4-FFF2-40B4-BE49-F238E27FC236}">
-                <a16:creationId xmlns:a16="http://schemas.microsoft.com/office/drawing/2014/main" id="{01586047-3C57-C670-FB15-256CE857A55D}"/>
+                <a16:creationId xmlns:a16="http://schemas.microsoft.com/office/drawing/2014/main" id="{B19AD28C-1C83-486B-52CF-221303141C0A}"/>
               </a:ext>
             </a:extLst>
           </p:cNvPr>
@@ -580,7 +580,7 @@
           <p:cNvPr id="3" name="竖排文字占位符 2">
             <a:extLst>
               <a:ext uri="{FF2B5EF4-FFF2-40B4-BE49-F238E27FC236}">
-                <a16:creationId xmlns:a16="http://schemas.microsoft.com/office/drawing/2014/main" id="{B555ACF7-4BCE-5FF5-91C2-9193214C0BE0}"/>
+                <a16:creationId xmlns:a16="http://schemas.microsoft.com/office/drawing/2014/main" id="{A08B24EE-65DB-982F-F48C-48C51E93BBE3}"/>
               </a:ext>
             </a:extLst>
           </p:cNvPr>
@@ -642,7 +642,7 @@
           <p:cNvPr id="4" name="日期占位符 3">
             <a:extLst>
               <a:ext uri="{FF2B5EF4-FFF2-40B4-BE49-F238E27FC236}">
-                <a16:creationId xmlns:a16="http://schemas.microsoft.com/office/drawing/2014/main" id="{AFFF288F-2733-18B3-9498-8BA7BB1C6773}"/>
+                <a16:creationId xmlns:a16="http://schemas.microsoft.com/office/drawing/2014/main" id="{C247D876-E247-FF4E-F13F-D306A8F67EBB}"/>
               </a:ext>
             </a:extLst>
           </p:cNvPr>
@@ -658,7 +658,7 @@
           <a:bodyPr/>
           <a:lstStyle/>
           <a:p>
-            <a:fld id="{849CDF33-60C9-4984-88DF-4B986EE03698}" type="datetimeFigureOut">
+            <a:fld id="{8ACB63DF-1F8F-43E2-8225-233E3C0BBACA}" type="datetimeFigureOut">
               <a:rPr lang="zh-CN" altLang="en-US" smtClean="0"/>
               <a:t>2024/3/10</a:t>
             </a:fld>
@@ -671,7 +671,7 @@
           <p:cNvPr id="5" name="页脚占位符 4">
             <a:extLst>
               <a:ext uri="{FF2B5EF4-FFF2-40B4-BE49-F238E27FC236}">
-                <a16:creationId xmlns:a16="http://schemas.microsoft.com/office/drawing/2014/main" id="{1A0DA351-7136-31AB-5803-95F76139142B}"/>
+                <a16:creationId xmlns:a16="http://schemas.microsoft.com/office/drawing/2014/main" id="{19F50074-E9D9-8401-2377-40AE5A8B022A}"/>
               </a:ext>
             </a:extLst>
           </p:cNvPr>
@@ -696,7 +696,7 @@
           <p:cNvPr id="6" name="灯片编号占位符 5">
             <a:extLst>
               <a:ext uri="{FF2B5EF4-FFF2-40B4-BE49-F238E27FC236}">
-                <a16:creationId xmlns:a16="http://schemas.microsoft.com/office/drawing/2014/main" id="{BF740DF9-C515-243C-8A2C-E5C69E6763C5}"/>
+                <a16:creationId xmlns:a16="http://schemas.microsoft.com/office/drawing/2014/main" id="{F3F70CAC-BBE5-AD96-D9CB-32504C902936}"/>
               </a:ext>
             </a:extLst>
           </p:cNvPr>
@@ -712,7 +712,7 @@
           <a:bodyPr/>
           <a:lstStyle/>
           <a:p>
-            <a:fld id="{A1B6061D-B33B-4161-9FF8-5D40D59998D3}" type="slidenum">
+            <a:fld id="{411D4FB6-179E-41E1-BA20-172FBBB8CEAE}" type="slidenum">
               <a:rPr lang="zh-CN" altLang="en-US" smtClean="0"/>
               <a:t>‹#›</a:t>
             </a:fld>
@@ -723,7 +723,7 @@
     </p:spTree>
     <p:extLst>
       <p:ext uri="{BB962C8B-B14F-4D97-AF65-F5344CB8AC3E}">
-        <p14:creationId xmlns:p14="http://schemas.microsoft.com/office/powerpoint/2010/main" val="2367573447"/>
+        <p14:creationId xmlns:p14="http://schemas.microsoft.com/office/powerpoint/2010/main" val="912683044"/>
       </p:ext>
     </p:extLst>
   </p:cSld>
@@ -755,7 +755,7 @@
           <p:cNvPr id="2" name="标题 1">
             <a:extLst>
               <a:ext uri="{FF2B5EF4-FFF2-40B4-BE49-F238E27FC236}">
-                <a16:creationId xmlns:a16="http://schemas.microsoft.com/office/drawing/2014/main" id="{9AB410AA-E902-ABDD-F837-498278D6F515}"/>
+                <a16:creationId xmlns:a16="http://schemas.microsoft.com/office/drawing/2014/main" id="{AB27CF71-B4B0-110D-EBED-A1E2D63A275E}"/>
               </a:ext>
             </a:extLst>
           </p:cNvPr>
@@ -783,7 +783,7 @@
           <p:cNvPr id="3" name="内容占位符 2">
             <a:extLst>
               <a:ext uri="{FF2B5EF4-FFF2-40B4-BE49-F238E27FC236}">
-                <a16:creationId xmlns:a16="http://schemas.microsoft.com/office/drawing/2014/main" id="{36BE0C3A-A0D2-4200-4928-0EF9FC2C1CB2}"/>
+                <a16:creationId xmlns:a16="http://schemas.microsoft.com/office/drawing/2014/main" id="{0354FDA2-DBDF-6159-926E-5DD2A6B1141A}"/>
               </a:ext>
             </a:extLst>
           </p:cNvPr>
@@ -840,7 +840,7 @@
           <p:cNvPr id="4" name="日期占位符 3">
             <a:extLst>
               <a:ext uri="{FF2B5EF4-FFF2-40B4-BE49-F238E27FC236}">
-                <a16:creationId xmlns:a16="http://schemas.microsoft.com/office/drawing/2014/main" id="{7EEF8767-BF4C-E67C-B6AD-E0F42A4C9EED}"/>
+                <a16:creationId xmlns:a16="http://schemas.microsoft.com/office/drawing/2014/main" id="{A9BEED41-DE97-9E07-43DD-2130F11D6162}"/>
               </a:ext>
             </a:extLst>
           </p:cNvPr>
@@ -856,7 +856,7 @@
           <a:bodyPr/>
           <a:lstStyle/>
           <a:p>
-            <a:fld id="{849CDF33-60C9-4984-88DF-4B986EE03698}" type="datetimeFigureOut">
+            <a:fld id="{8ACB63DF-1F8F-43E2-8225-233E3C0BBACA}" type="datetimeFigureOut">
               <a:rPr lang="zh-CN" altLang="en-US" smtClean="0"/>
               <a:t>2024/3/10</a:t>
             </a:fld>
@@ -869,7 +869,7 @@
           <p:cNvPr id="5" name="页脚占位符 4">
             <a:extLst>
               <a:ext uri="{FF2B5EF4-FFF2-40B4-BE49-F238E27FC236}">
-                <a16:creationId xmlns:a16="http://schemas.microsoft.com/office/drawing/2014/main" id="{39829F8C-F871-04E2-1D80-53F1168B72B7}"/>
+                <a16:creationId xmlns:a16="http://schemas.microsoft.com/office/drawing/2014/main" id="{BD920717-1E63-EA89-FEDD-CBF720ED5EDD}"/>
               </a:ext>
             </a:extLst>
           </p:cNvPr>
@@ -894,7 +894,7 @@
           <p:cNvPr id="6" name="灯片编号占位符 5">
             <a:extLst>
               <a:ext uri="{FF2B5EF4-FFF2-40B4-BE49-F238E27FC236}">
-                <a16:creationId xmlns:a16="http://schemas.microsoft.com/office/drawing/2014/main" id="{B9478A8D-7C93-3DD5-B945-7A508A14AA72}"/>
+                <a16:creationId xmlns:a16="http://schemas.microsoft.com/office/drawing/2014/main" id="{CCC85032-7AAA-8828-222C-D7A2B168C159}"/>
               </a:ext>
             </a:extLst>
           </p:cNvPr>
@@ -910,7 +910,7 @@
           <a:bodyPr/>
           <a:lstStyle/>
           <a:p>
-            <a:fld id="{A1B6061D-B33B-4161-9FF8-5D40D59998D3}" type="slidenum">
+            <a:fld id="{411D4FB6-179E-41E1-BA20-172FBBB8CEAE}" type="slidenum">
               <a:rPr lang="zh-CN" altLang="en-US" smtClean="0"/>
               <a:t>‹#›</a:t>
             </a:fld>
@@ -921,7 +921,7 @@
     </p:spTree>
     <p:extLst>
       <p:ext uri="{BB962C8B-B14F-4D97-AF65-F5344CB8AC3E}">
-        <p14:creationId xmlns:p14="http://schemas.microsoft.com/office/powerpoint/2010/main" val="618920166"/>
+        <p14:creationId xmlns:p14="http://schemas.microsoft.com/office/powerpoint/2010/main" val="4051529369"/>
       </p:ext>
     </p:extLst>
   </p:cSld>
@@ -953,7 +953,7 @@
           <p:cNvPr id="2" name="标题 1">
             <a:extLst>
               <a:ext uri="{FF2B5EF4-FFF2-40B4-BE49-F238E27FC236}">
-                <a16:creationId xmlns:a16="http://schemas.microsoft.com/office/drawing/2014/main" id="{849E44DB-2E0C-E284-2CFA-35539729F4B4}"/>
+                <a16:creationId xmlns:a16="http://schemas.microsoft.com/office/drawing/2014/main" id="{9D8159DE-E83D-0292-86B9-8151E0A451C3}"/>
               </a:ext>
             </a:extLst>
           </p:cNvPr>
@@ -990,7 +990,7 @@
           <p:cNvPr id="3" name="文本占位符 2">
             <a:extLst>
               <a:ext uri="{FF2B5EF4-FFF2-40B4-BE49-F238E27FC236}">
-                <a16:creationId xmlns:a16="http://schemas.microsoft.com/office/drawing/2014/main" id="{7BADF585-0497-988C-6DE7-0AFC94B3AFAD}"/>
+                <a16:creationId xmlns:a16="http://schemas.microsoft.com/office/drawing/2014/main" id="{34260958-57A5-8F7C-9D74-B9DB7CFA6757}"/>
               </a:ext>
             </a:extLst>
           </p:cNvPr>
@@ -1115,7 +1115,7 @@
           <p:cNvPr id="4" name="日期占位符 3">
             <a:extLst>
               <a:ext uri="{FF2B5EF4-FFF2-40B4-BE49-F238E27FC236}">
-                <a16:creationId xmlns:a16="http://schemas.microsoft.com/office/drawing/2014/main" id="{0D647D4C-B175-50F0-BB99-C4A80CB24B51}"/>
+                <a16:creationId xmlns:a16="http://schemas.microsoft.com/office/drawing/2014/main" id="{6B9FB64F-C6E3-1A5A-3E90-362DCCB96673}"/>
               </a:ext>
             </a:extLst>
           </p:cNvPr>
@@ -1131,7 +1131,7 @@
           <a:bodyPr/>
           <a:lstStyle/>
           <a:p>
-            <a:fld id="{849CDF33-60C9-4984-88DF-4B986EE03698}" type="datetimeFigureOut">
+            <a:fld id="{8ACB63DF-1F8F-43E2-8225-233E3C0BBACA}" type="datetimeFigureOut">
               <a:rPr lang="zh-CN" altLang="en-US" smtClean="0"/>
               <a:t>2024/3/10</a:t>
             </a:fld>
@@ -1144,7 +1144,7 @@
           <p:cNvPr id="5" name="页脚占位符 4">
             <a:extLst>
               <a:ext uri="{FF2B5EF4-FFF2-40B4-BE49-F238E27FC236}">
-                <a16:creationId xmlns:a16="http://schemas.microsoft.com/office/drawing/2014/main" id="{930D15E8-5B72-967B-D0CD-B391170B7112}"/>
+                <a16:creationId xmlns:a16="http://schemas.microsoft.com/office/drawing/2014/main" id="{B5E82071-8FD6-DD8B-64FF-24135F765D22}"/>
               </a:ext>
             </a:extLst>
           </p:cNvPr>
@@ -1169,7 +1169,7 @@
           <p:cNvPr id="6" name="灯片编号占位符 5">
             <a:extLst>
               <a:ext uri="{FF2B5EF4-FFF2-40B4-BE49-F238E27FC236}">
-                <a16:creationId xmlns:a16="http://schemas.microsoft.com/office/drawing/2014/main" id="{15A2153D-2C33-5584-107E-67DD84088615}"/>
+                <a16:creationId xmlns:a16="http://schemas.microsoft.com/office/drawing/2014/main" id="{62C5CF66-6E59-6BC0-1778-264BAA32144A}"/>
               </a:ext>
             </a:extLst>
           </p:cNvPr>
@@ -1185,7 +1185,7 @@
           <a:bodyPr/>
           <a:lstStyle/>
           <a:p>
-            <a:fld id="{A1B6061D-B33B-4161-9FF8-5D40D59998D3}" type="slidenum">
+            <a:fld id="{411D4FB6-179E-41E1-BA20-172FBBB8CEAE}" type="slidenum">
               <a:rPr lang="zh-CN" altLang="en-US" smtClean="0"/>
               <a:t>‹#›</a:t>
             </a:fld>
@@ -1196,7 +1196,7 @@
     </p:spTree>
     <p:extLst>
       <p:ext uri="{BB962C8B-B14F-4D97-AF65-F5344CB8AC3E}">
-        <p14:creationId xmlns:p14="http://schemas.microsoft.com/office/powerpoint/2010/main" val="2902865143"/>
+        <p14:creationId xmlns:p14="http://schemas.microsoft.com/office/powerpoint/2010/main" val="1200940396"/>
       </p:ext>
     </p:extLst>
   </p:cSld>
@@ -1228,7 +1228,7 @@
           <p:cNvPr id="2" name="标题 1">
             <a:extLst>
               <a:ext uri="{FF2B5EF4-FFF2-40B4-BE49-F238E27FC236}">
-                <a16:creationId xmlns:a16="http://schemas.microsoft.com/office/drawing/2014/main" id="{A1E19ADE-DE52-AC84-C091-DC8AFE90F861}"/>
+                <a16:creationId xmlns:a16="http://schemas.microsoft.com/office/drawing/2014/main" id="{0BDD0A0D-866E-70B4-DB6B-56C670CDFE2F}"/>
               </a:ext>
             </a:extLst>
           </p:cNvPr>
@@ -1256,7 +1256,7 @@
           <p:cNvPr id="3" name="内容占位符 2">
             <a:extLst>
               <a:ext uri="{FF2B5EF4-FFF2-40B4-BE49-F238E27FC236}">
-                <a16:creationId xmlns:a16="http://schemas.microsoft.com/office/drawing/2014/main" id="{39507B78-FAD9-0E4B-22DA-EDD8E30AED0A}"/>
+                <a16:creationId xmlns:a16="http://schemas.microsoft.com/office/drawing/2014/main" id="{08CD3349-4F64-3D86-3931-EE9D56ACFB0A}"/>
               </a:ext>
             </a:extLst>
           </p:cNvPr>
@@ -1318,7 +1318,7 @@
           <p:cNvPr id="4" name="内容占位符 3">
             <a:extLst>
               <a:ext uri="{FF2B5EF4-FFF2-40B4-BE49-F238E27FC236}">
-                <a16:creationId xmlns:a16="http://schemas.microsoft.com/office/drawing/2014/main" id="{027A456E-BEC2-0D1A-EDFF-402EE0C4C8DA}"/>
+                <a16:creationId xmlns:a16="http://schemas.microsoft.com/office/drawing/2014/main" id="{872EF4F1-0B51-8911-579A-4E3586446B90}"/>
               </a:ext>
             </a:extLst>
           </p:cNvPr>
@@ -1380,7 +1380,7 @@
           <p:cNvPr id="5" name="日期占位符 4">
             <a:extLst>
               <a:ext uri="{FF2B5EF4-FFF2-40B4-BE49-F238E27FC236}">
-                <a16:creationId xmlns:a16="http://schemas.microsoft.com/office/drawing/2014/main" id="{FC699A07-9D20-6CDE-830E-01ABCA500329}"/>
+                <a16:creationId xmlns:a16="http://schemas.microsoft.com/office/drawing/2014/main" id="{F56C6B37-F003-594C-224A-3E218D15341C}"/>
               </a:ext>
             </a:extLst>
           </p:cNvPr>
@@ -1396,7 +1396,7 @@
           <a:bodyPr/>
           <a:lstStyle/>
           <a:p>
-            <a:fld id="{849CDF33-60C9-4984-88DF-4B986EE03698}" type="datetimeFigureOut">
+            <a:fld id="{8ACB63DF-1F8F-43E2-8225-233E3C0BBACA}" type="datetimeFigureOut">
               <a:rPr lang="zh-CN" altLang="en-US" smtClean="0"/>
               <a:t>2024/3/10</a:t>
             </a:fld>
@@ -1409,7 +1409,7 @@
           <p:cNvPr id="6" name="页脚占位符 5">
             <a:extLst>
               <a:ext uri="{FF2B5EF4-FFF2-40B4-BE49-F238E27FC236}">
-                <a16:creationId xmlns:a16="http://schemas.microsoft.com/office/drawing/2014/main" id="{B07802D6-A31D-CD44-7741-9465D83A1B15}"/>
+                <a16:creationId xmlns:a16="http://schemas.microsoft.com/office/drawing/2014/main" id="{DC4475B1-E705-5B21-E6BC-52CC25994128}"/>
               </a:ext>
             </a:extLst>
           </p:cNvPr>
@@ -1434,7 +1434,7 @@
           <p:cNvPr id="7" name="灯片编号占位符 6">
             <a:extLst>
               <a:ext uri="{FF2B5EF4-FFF2-40B4-BE49-F238E27FC236}">
-                <a16:creationId xmlns:a16="http://schemas.microsoft.com/office/drawing/2014/main" id="{18C91B79-64F3-AB82-5436-FE26C5D1AAEE}"/>
+                <a16:creationId xmlns:a16="http://schemas.microsoft.com/office/drawing/2014/main" id="{1533FE65-B819-0709-4FAF-A3FAA358F770}"/>
               </a:ext>
             </a:extLst>
           </p:cNvPr>
@@ -1450,7 +1450,7 @@
           <a:bodyPr/>
           <a:lstStyle/>
           <a:p>
-            <a:fld id="{A1B6061D-B33B-4161-9FF8-5D40D59998D3}" type="slidenum">
+            <a:fld id="{411D4FB6-179E-41E1-BA20-172FBBB8CEAE}" type="slidenum">
               <a:rPr lang="zh-CN" altLang="en-US" smtClean="0"/>
               <a:t>‹#›</a:t>
             </a:fld>
@@ -1461,7 +1461,7 @@
     </p:spTree>
     <p:extLst>
       <p:ext uri="{BB962C8B-B14F-4D97-AF65-F5344CB8AC3E}">
-        <p14:creationId xmlns:p14="http://schemas.microsoft.com/office/powerpoint/2010/main" val="3967655837"/>
+        <p14:creationId xmlns:p14="http://schemas.microsoft.com/office/powerpoint/2010/main" val="2056825184"/>
       </p:ext>
     </p:extLst>
   </p:cSld>
@@ -1493,7 +1493,7 @@
           <p:cNvPr id="2" name="标题 1">
             <a:extLst>
               <a:ext uri="{FF2B5EF4-FFF2-40B4-BE49-F238E27FC236}">
-                <a16:creationId xmlns:a16="http://schemas.microsoft.com/office/drawing/2014/main" id="{C5558026-5378-35BE-0B57-DF60F8C53828}"/>
+                <a16:creationId xmlns:a16="http://schemas.microsoft.com/office/drawing/2014/main" id="{616795A5-3D69-0822-991F-CFD1D66BA192}"/>
               </a:ext>
             </a:extLst>
           </p:cNvPr>
@@ -1526,7 +1526,7 @@
           <p:cNvPr id="3" name="文本占位符 2">
             <a:extLst>
               <a:ext uri="{FF2B5EF4-FFF2-40B4-BE49-F238E27FC236}">
-                <a16:creationId xmlns:a16="http://schemas.microsoft.com/office/drawing/2014/main" id="{643229FD-B822-FF6D-487F-8201DADA15C8}"/>
+                <a16:creationId xmlns:a16="http://schemas.microsoft.com/office/drawing/2014/main" id="{F974FB28-C20A-1455-5879-D2DB5AC83D11}"/>
               </a:ext>
             </a:extLst>
           </p:cNvPr>
@@ -1597,7 +1597,7 @@
           <p:cNvPr id="4" name="内容占位符 3">
             <a:extLst>
               <a:ext uri="{FF2B5EF4-FFF2-40B4-BE49-F238E27FC236}">
-                <a16:creationId xmlns:a16="http://schemas.microsoft.com/office/drawing/2014/main" id="{7B129688-6848-BA41-1DEE-5540BA9479CE}"/>
+                <a16:creationId xmlns:a16="http://schemas.microsoft.com/office/drawing/2014/main" id="{82AC768E-6F14-80AD-DE87-A2F18546744A}"/>
               </a:ext>
             </a:extLst>
           </p:cNvPr>
@@ -1659,7 +1659,7 @@
           <p:cNvPr id="5" name="文本占位符 4">
             <a:extLst>
               <a:ext uri="{FF2B5EF4-FFF2-40B4-BE49-F238E27FC236}">
-                <a16:creationId xmlns:a16="http://schemas.microsoft.com/office/drawing/2014/main" id="{58675104-BD32-E247-0399-46D5CE330F52}"/>
+                <a16:creationId xmlns:a16="http://schemas.microsoft.com/office/drawing/2014/main" id="{AA8A549E-A576-0385-4130-B00108626742}"/>
               </a:ext>
             </a:extLst>
           </p:cNvPr>
@@ -1730,7 +1730,7 @@
           <p:cNvPr id="6" name="内容占位符 5">
             <a:extLst>
               <a:ext uri="{FF2B5EF4-FFF2-40B4-BE49-F238E27FC236}">
-                <a16:creationId xmlns:a16="http://schemas.microsoft.com/office/drawing/2014/main" id="{2AE57415-D4E7-61E5-4F10-D043BD4F9E94}"/>
+                <a16:creationId xmlns:a16="http://schemas.microsoft.com/office/drawing/2014/main" id="{7236BEC4-D618-FA44-6046-91508F4B6A95}"/>
               </a:ext>
             </a:extLst>
           </p:cNvPr>
@@ -1792,7 +1792,7 @@
           <p:cNvPr id="7" name="日期占位符 6">
             <a:extLst>
               <a:ext uri="{FF2B5EF4-FFF2-40B4-BE49-F238E27FC236}">
-                <a16:creationId xmlns:a16="http://schemas.microsoft.com/office/drawing/2014/main" id="{80962724-9E8B-4E86-284D-2A44336D418E}"/>
+                <a16:creationId xmlns:a16="http://schemas.microsoft.com/office/drawing/2014/main" id="{3CC109E1-70E5-DFA2-95C2-514C88D324E8}"/>
               </a:ext>
             </a:extLst>
           </p:cNvPr>
@@ -1808,7 +1808,7 @@
           <a:bodyPr/>
           <a:lstStyle/>
           <a:p>
-            <a:fld id="{849CDF33-60C9-4984-88DF-4B986EE03698}" type="datetimeFigureOut">
+            <a:fld id="{8ACB63DF-1F8F-43E2-8225-233E3C0BBACA}" type="datetimeFigureOut">
               <a:rPr lang="zh-CN" altLang="en-US" smtClean="0"/>
               <a:t>2024/3/10</a:t>
             </a:fld>
@@ -1821,7 +1821,7 @@
           <p:cNvPr id="8" name="页脚占位符 7">
             <a:extLst>
               <a:ext uri="{FF2B5EF4-FFF2-40B4-BE49-F238E27FC236}">
-                <a16:creationId xmlns:a16="http://schemas.microsoft.com/office/drawing/2014/main" id="{B4912C65-B7B4-2D3F-25A5-C8131D843EFF}"/>
+                <a16:creationId xmlns:a16="http://schemas.microsoft.com/office/drawing/2014/main" id="{663BB448-BF5C-A2FE-5F27-CE90293E3894}"/>
               </a:ext>
             </a:extLst>
           </p:cNvPr>
@@ -1846,7 +1846,7 @@
           <p:cNvPr id="9" name="灯片编号占位符 8">
             <a:extLst>
               <a:ext uri="{FF2B5EF4-FFF2-40B4-BE49-F238E27FC236}">
-                <a16:creationId xmlns:a16="http://schemas.microsoft.com/office/drawing/2014/main" id="{7BB9004C-0FAF-1F16-1C2B-02FB96DBB415}"/>
+                <a16:creationId xmlns:a16="http://schemas.microsoft.com/office/drawing/2014/main" id="{68C1F37D-BDB9-3141-EE49-030705DA6717}"/>
               </a:ext>
             </a:extLst>
           </p:cNvPr>
@@ -1862,7 +1862,7 @@
           <a:bodyPr/>
           <a:lstStyle/>
           <a:p>
-            <a:fld id="{A1B6061D-B33B-4161-9FF8-5D40D59998D3}" type="slidenum">
+            <a:fld id="{411D4FB6-179E-41E1-BA20-172FBBB8CEAE}" type="slidenum">
               <a:rPr lang="zh-CN" altLang="en-US" smtClean="0"/>
               <a:t>‹#›</a:t>
             </a:fld>
@@ -1873,7 +1873,7 @@
     </p:spTree>
     <p:extLst>
       <p:ext uri="{BB962C8B-B14F-4D97-AF65-F5344CB8AC3E}">
-        <p14:creationId xmlns:p14="http://schemas.microsoft.com/office/powerpoint/2010/main" val="3218695241"/>
+        <p14:creationId xmlns:p14="http://schemas.microsoft.com/office/powerpoint/2010/main" val="2103277935"/>
       </p:ext>
     </p:extLst>
   </p:cSld>
@@ -1905,7 +1905,7 @@
           <p:cNvPr id="2" name="标题 1">
             <a:extLst>
               <a:ext uri="{FF2B5EF4-FFF2-40B4-BE49-F238E27FC236}">
-                <a16:creationId xmlns:a16="http://schemas.microsoft.com/office/drawing/2014/main" id="{622CC246-BA1C-AE24-0206-744687C98376}"/>
+                <a16:creationId xmlns:a16="http://schemas.microsoft.com/office/drawing/2014/main" id="{50EBF77C-D24E-1036-50E7-17D6896CC606}"/>
               </a:ext>
             </a:extLst>
           </p:cNvPr>
@@ -1933,7 +1933,7 @@
           <p:cNvPr id="3" name="日期占位符 2">
             <a:extLst>
               <a:ext uri="{FF2B5EF4-FFF2-40B4-BE49-F238E27FC236}">
-                <a16:creationId xmlns:a16="http://schemas.microsoft.com/office/drawing/2014/main" id="{21098287-6318-89A2-0C61-B23F4ECC6B83}"/>
+                <a16:creationId xmlns:a16="http://schemas.microsoft.com/office/drawing/2014/main" id="{CC4EA448-0D40-CF34-84F3-7E72B90D903B}"/>
               </a:ext>
             </a:extLst>
           </p:cNvPr>
@@ -1949,7 +1949,7 @@
           <a:bodyPr/>
           <a:lstStyle/>
           <a:p>
-            <a:fld id="{849CDF33-60C9-4984-88DF-4B986EE03698}" type="datetimeFigureOut">
+            <a:fld id="{8ACB63DF-1F8F-43E2-8225-233E3C0BBACA}" type="datetimeFigureOut">
               <a:rPr lang="zh-CN" altLang="en-US" smtClean="0"/>
               <a:t>2024/3/10</a:t>
             </a:fld>
@@ -1962,7 +1962,7 @@
           <p:cNvPr id="4" name="页脚占位符 3">
             <a:extLst>
               <a:ext uri="{FF2B5EF4-FFF2-40B4-BE49-F238E27FC236}">
-                <a16:creationId xmlns:a16="http://schemas.microsoft.com/office/drawing/2014/main" id="{1CC35309-7F87-81E2-0D66-C396A661C1D2}"/>
+                <a16:creationId xmlns:a16="http://schemas.microsoft.com/office/drawing/2014/main" id="{F772A5A0-3935-797C-B00D-7F55B137BC3D}"/>
               </a:ext>
             </a:extLst>
           </p:cNvPr>
@@ -1987,7 +1987,7 @@
           <p:cNvPr id="5" name="灯片编号占位符 4">
             <a:extLst>
               <a:ext uri="{FF2B5EF4-FFF2-40B4-BE49-F238E27FC236}">
-                <a16:creationId xmlns:a16="http://schemas.microsoft.com/office/drawing/2014/main" id="{2C14BD7E-D6C9-E024-B815-42F7141226AD}"/>
+                <a16:creationId xmlns:a16="http://schemas.microsoft.com/office/drawing/2014/main" id="{C75DE584-2933-7A76-CD9B-AA9C62514328}"/>
               </a:ext>
             </a:extLst>
           </p:cNvPr>
@@ -2003,7 +2003,7 @@
           <a:bodyPr/>
           <a:lstStyle/>
           <a:p>
-            <a:fld id="{A1B6061D-B33B-4161-9FF8-5D40D59998D3}" type="slidenum">
+            <a:fld id="{411D4FB6-179E-41E1-BA20-172FBBB8CEAE}" type="slidenum">
               <a:rPr lang="zh-CN" altLang="en-US" smtClean="0"/>
               <a:t>‹#›</a:t>
             </a:fld>
@@ -2014,7 +2014,7 @@
     </p:spTree>
     <p:extLst>
       <p:ext uri="{BB962C8B-B14F-4D97-AF65-F5344CB8AC3E}">
-        <p14:creationId xmlns:p14="http://schemas.microsoft.com/office/powerpoint/2010/main" val="4121653963"/>
+        <p14:creationId xmlns:p14="http://schemas.microsoft.com/office/powerpoint/2010/main" val="1053863492"/>
       </p:ext>
     </p:extLst>
   </p:cSld>
@@ -2046,7 +2046,7 @@
           <p:cNvPr id="2" name="日期占位符 1">
             <a:extLst>
               <a:ext uri="{FF2B5EF4-FFF2-40B4-BE49-F238E27FC236}">
-                <a16:creationId xmlns:a16="http://schemas.microsoft.com/office/drawing/2014/main" id="{396673AC-1E48-76EC-2AA4-227A4D5D4C5D}"/>
+                <a16:creationId xmlns:a16="http://schemas.microsoft.com/office/drawing/2014/main" id="{1F8CD905-2AC4-E283-165B-95E4A7107E33}"/>
               </a:ext>
             </a:extLst>
           </p:cNvPr>
@@ -2062,7 +2062,7 @@
           <a:bodyPr/>
           <a:lstStyle/>
           <a:p>
-            <a:fld id="{849CDF33-60C9-4984-88DF-4B986EE03698}" type="datetimeFigureOut">
+            <a:fld id="{8ACB63DF-1F8F-43E2-8225-233E3C0BBACA}" type="datetimeFigureOut">
               <a:rPr lang="zh-CN" altLang="en-US" smtClean="0"/>
               <a:t>2024/3/10</a:t>
             </a:fld>
@@ -2075,7 +2075,7 @@
           <p:cNvPr id="3" name="页脚占位符 2">
             <a:extLst>
               <a:ext uri="{FF2B5EF4-FFF2-40B4-BE49-F238E27FC236}">
-                <a16:creationId xmlns:a16="http://schemas.microsoft.com/office/drawing/2014/main" id="{15E20BA4-1272-C431-75E7-4BD0803FF53F}"/>
+                <a16:creationId xmlns:a16="http://schemas.microsoft.com/office/drawing/2014/main" id="{3F9E7F84-3009-8AA3-2593-7DD3D2E4AB29}"/>
               </a:ext>
             </a:extLst>
           </p:cNvPr>
@@ -2100,7 +2100,7 @@
           <p:cNvPr id="4" name="灯片编号占位符 3">
             <a:extLst>
               <a:ext uri="{FF2B5EF4-FFF2-40B4-BE49-F238E27FC236}">
-                <a16:creationId xmlns:a16="http://schemas.microsoft.com/office/drawing/2014/main" id="{7F476973-AAC7-F830-9D84-C994C87A7B3E}"/>
+                <a16:creationId xmlns:a16="http://schemas.microsoft.com/office/drawing/2014/main" id="{F3886496-E3EF-A3F9-1110-DA6B5B6B8901}"/>
               </a:ext>
             </a:extLst>
           </p:cNvPr>
@@ -2116,7 +2116,7 @@
           <a:bodyPr/>
           <a:lstStyle/>
           <a:p>
-            <a:fld id="{A1B6061D-B33B-4161-9FF8-5D40D59998D3}" type="slidenum">
+            <a:fld id="{411D4FB6-179E-41E1-BA20-172FBBB8CEAE}" type="slidenum">
               <a:rPr lang="zh-CN" altLang="en-US" smtClean="0"/>
               <a:t>‹#›</a:t>
             </a:fld>
@@ -2127,7 +2127,7 @@
     </p:spTree>
     <p:extLst>
       <p:ext uri="{BB962C8B-B14F-4D97-AF65-F5344CB8AC3E}">
-        <p14:creationId xmlns:p14="http://schemas.microsoft.com/office/powerpoint/2010/main" val="1844809042"/>
+        <p14:creationId xmlns:p14="http://schemas.microsoft.com/office/powerpoint/2010/main" val="1884041398"/>
       </p:ext>
     </p:extLst>
   </p:cSld>
@@ -2159,7 +2159,7 @@
           <p:cNvPr id="2" name="标题 1">
             <a:extLst>
               <a:ext uri="{FF2B5EF4-FFF2-40B4-BE49-F238E27FC236}">
-                <a16:creationId xmlns:a16="http://schemas.microsoft.com/office/drawing/2014/main" id="{33CC0B54-91FF-D275-EEF0-58AEC7865447}"/>
+                <a16:creationId xmlns:a16="http://schemas.microsoft.com/office/drawing/2014/main" id="{A581949B-5EC4-1298-ACE6-9534DACEA93C}"/>
               </a:ext>
             </a:extLst>
           </p:cNvPr>
@@ -2196,7 +2196,7 @@
           <p:cNvPr id="3" name="内容占位符 2">
             <a:extLst>
               <a:ext uri="{FF2B5EF4-FFF2-40B4-BE49-F238E27FC236}">
-                <a16:creationId xmlns:a16="http://schemas.microsoft.com/office/drawing/2014/main" id="{FE8B473C-0855-F271-0A3C-4B0E3DEBCFD0}"/>
+                <a16:creationId xmlns:a16="http://schemas.microsoft.com/office/drawing/2014/main" id="{C7323795-D5AA-CF4C-280F-0B3D3BB8B1F3}"/>
               </a:ext>
             </a:extLst>
           </p:cNvPr>
@@ -2286,7 +2286,7 @@
           <p:cNvPr id="4" name="文本占位符 3">
             <a:extLst>
               <a:ext uri="{FF2B5EF4-FFF2-40B4-BE49-F238E27FC236}">
-                <a16:creationId xmlns:a16="http://schemas.microsoft.com/office/drawing/2014/main" id="{8A68E54F-1A21-3D33-591B-F89520F458BD}"/>
+                <a16:creationId xmlns:a16="http://schemas.microsoft.com/office/drawing/2014/main" id="{8B7E0A85-236B-DD29-4EA5-785AA56B4694}"/>
               </a:ext>
             </a:extLst>
           </p:cNvPr>
@@ -2357,7 +2357,7 @@
           <p:cNvPr id="5" name="日期占位符 4">
             <a:extLst>
               <a:ext uri="{FF2B5EF4-FFF2-40B4-BE49-F238E27FC236}">
-                <a16:creationId xmlns:a16="http://schemas.microsoft.com/office/drawing/2014/main" id="{F8EA6CD6-AEAC-F93E-9A5E-230A3BC5ECA5}"/>
+                <a16:creationId xmlns:a16="http://schemas.microsoft.com/office/drawing/2014/main" id="{50A6ECB4-10B0-768A-D66B-8C5446FCBCA0}"/>
               </a:ext>
             </a:extLst>
           </p:cNvPr>
@@ -2373,7 +2373,7 @@
           <a:bodyPr/>
           <a:lstStyle/>
           <a:p>
-            <a:fld id="{849CDF33-60C9-4984-88DF-4B986EE03698}" type="datetimeFigureOut">
+            <a:fld id="{8ACB63DF-1F8F-43E2-8225-233E3C0BBACA}" type="datetimeFigureOut">
               <a:rPr lang="zh-CN" altLang="en-US" smtClean="0"/>
               <a:t>2024/3/10</a:t>
             </a:fld>
@@ -2386,7 +2386,7 @@
           <p:cNvPr id="6" name="页脚占位符 5">
             <a:extLst>
               <a:ext uri="{FF2B5EF4-FFF2-40B4-BE49-F238E27FC236}">
-                <a16:creationId xmlns:a16="http://schemas.microsoft.com/office/drawing/2014/main" id="{E77078E5-03C8-B647-BF7E-9D95BD2F6382}"/>
+                <a16:creationId xmlns:a16="http://schemas.microsoft.com/office/drawing/2014/main" id="{FABEFA82-55D7-E12B-CEF5-D6781E49C6F9}"/>
               </a:ext>
             </a:extLst>
           </p:cNvPr>
@@ -2411,7 +2411,7 @@
           <p:cNvPr id="7" name="灯片编号占位符 6">
             <a:extLst>
               <a:ext uri="{FF2B5EF4-FFF2-40B4-BE49-F238E27FC236}">
-                <a16:creationId xmlns:a16="http://schemas.microsoft.com/office/drawing/2014/main" id="{D9E6B3A9-66F2-5DA8-FE7F-81E4060396BF}"/>
+                <a16:creationId xmlns:a16="http://schemas.microsoft.com/office/drawing/2014/main" id="{35F51B6D-9607-E5AE-9F41-C3C76DA69905}"/>
               </a:ext>
             </a:extLst>
           </p:cNvPr>
@@ -2427,7 +2427,7 @@
           <a:bodyPr/>
           <a:lstStyle/>
           <a:p>
-            <a:fld id="{A1B6061D-B33B-4161-9FF8-5D40D59998D3}" type="slidenum">
+            <a:fld id="{411D4FB6-179E-41E1-BA20-172FBBB8CEAE}" type="slidenum">
               <a:rPr lang="zh-CN" altLang="en-US" smtClean="0"/>
               <a:t>‹#›</a:t>
             </a:fld>
@@ -2438,7 +2438,7 @@
     </p:spTree>
     <p:extLst>
       <p:ext uri="{BB962C8B-B14F-4D97-AF65-F5344CB8AC3E}">
-        <p14:creationId xmlns:p14="http://schemas.microsoft.com/office/powerpoint/2010/main" val="1564790217"/>
+        <p14:creationId xmlns:p14="http://schemas.microsoft.com/office/powerpoint/2010/main" val="1312556732"/>
       </p:ext>
     </p:extLst>
   </p:cSld>
@@ -2470,7 +2470,7 @@
           <p:cNvPr id="2" name="标题 1">
             <a:extLst>
               <a:ext uri="{FF2B5EF4-FFF2-40B4-BE49-F238E27FC236}">
-                <a16:creationId xmlns:a16="http://schemas.microsoft.com/office/drawing/2014/main" id="{5B46C6F3-CB13-4141-2CBF-EBE8027568C6}"/>
+                <a16:creationId xmlns:a16="http://schemas.microsoft.com/office/drawing/2014/main" id="{4231D6D8-6F7C-B24A-9765-F909F7DDA231}"/>
               </a:ext>
             </a:extLst>
           </p:cNvPr>
@@ -2507,7 +2507,7 @@
           <p:cNvPr id="3" name="图片占位符 2">
             <a:extLst>
               <a:ext uri="{FF2B5EF4-FFF2-40B4-BE49-F238E27FC236}">
-                <a16:creationId xmlns:a16="http://schemas.microsoft.com/office/drawing/2014/main" id="{42B636AB-E4CA-34ED-B3D0-3A9B211A963E}"/>
+                <a16:creationId xmlns:a16="http://schemas.microsoft.com/office/drawing/2014/main" id="{DD3EDEFB-35DB-5E6F-0918-036AB7427937}"/>
               </a:ext>
             </a:extLst>
           </p:cNvPr>
@@ -2574,7 +2574,7 @@
           <p:cNvPr id="4" name="文本占位符 3">
             <a:extLst>
               <a:ext uri="{FF2B5EF4-FFF2-40B4-BE49-F238E27FC236}">
-                <a16:creationId xmlns:a16="http://schemas.microsoft.com/office/drawing/2014/main" id="{CA9AC1D5-82AB-3F80-8557-3270F987B96C}"/>
+                <a16:creationId xmlns:a16="http://schemas.microsoft.com/office/drawing/2014/main" id="{99DF1067-7C36-2902-32B8-9D83098696F9}"/>
               </a:ext>
             </a:extLst>
           </p:cNvPr>
@@ -2645,7 +2645,7 @@
           <p:cNvPr id="5" name="日期占位符 4">
             <a:extLst>
               <a:ext uri="{FF2B5EF4-FFF2-40B4-BE49-F238E27FC236}">
-                <a16:creationId xmlns:a16="http://schemas.microsoft.com/office/drawing/2014/main" id="{B00C3FE8-8868-B2D0-3B34-3F3906FA4B4E}"/>
+                <a16:creationId xmlns:a16="http://schemas.microsoft.com/office/drawing/2014/main" id="{82656EA7-22F2-67C6-D91A-E224ED4B7930}"/>
               </a:ext>
             </a:extLst>
           </p:cNvPr>
@@ -2661,7 +2661,7 @@
           <a:bodyPr/>
           <a:lstStyle/>
           <a:p>
-            <a:fld id="{849CDF33-60C9-4984-88DF-4B986EE03698}" type="datetimeFigureOut">
+            <a:fld id="{8ACB63DF-1F8F-43E2-8225-233E3C0BBACA}" type="datetimeFigureOut">
               <a:rPr lang="zh-CN" altLang="en-US" smtClean="0"/>
               <a:t>2024/3/10</a:t>
             </a:fld>
@@ -2674,7 +2674,7 @@
           <p:cNvPr id="6" name="页脚占位符 5">
             <a:extLst>
               <a:ext uri="{FF2B5EF4-FFF2-40B4-BE49-F238E27FC236}">
-                <a16:creationId xmlns:a16="http://schemas.microsoft.com/office/drawing/2014/main" id="{E66AD2B3-2CB5-DD22-818A-B45D9D765A32}"/>
+                <a16:creationId xmlns:a16="http://schemas.microsoft.com/office/drawing/2014/main" id="{005C7911-8E69-9FE6-D489-36B11F2A10B5}"/>
               </a:ext>
             </a:extLst>
           </p:cNvPr>
@@ -2699,7 +2699,7 @@
           <p:cNvPr id="7" name="灯片编号占位符 6">
             <a:extLst>
               <a:ext uri="{FF2B5EF4-FFF2-40B4-BE49-F238E27FC236}">
-                <a16:creationId xmlns:a16="http://schemas.microsoft.com/office/drawing/2014/main" id="{F4B3698C-86E9-6A14-C24F-BC75DC44EF3F}"/>
+                <a16:creationId xmlns:a16="http://schemas.microsoft.com/office/drawing/2014/main" id="{E1F52260-0ECD-064F-AE8C-BF96E97A092F}"/>
               </a:ext>
             </a:extLst>
           </p:cNvPr>
@@ -2715,7 +2715,7 @@
           <a:bodyPr/>
           <a:lstStyle/>
           <a:p>
-            <a:fld id="{A1B6061D-B33B-4161-9FF8-5D40D59998D3}" type="slidenum">
+            <a:fld id="{411D4FB6-179E-41E1-BA20-172FBBB8CEAE}" type="slidenum">
               <a:rPr lang="zh-CN" altLang="en-US" smtClean="0"/>
               <a:t>‹#›</a:t>
             </a:fld>
@@ -2726,7 +2726,7 @@
     </p:spTree>
     <p:extLst>
       <p:ext uri="{BB962C8B-B14F-4D97-AF65-F5344CB8AC3E}">
-        <p14:creationId xmlns:p14="http://schemas.microsoft.com/office/powerpoint/2010/main" val="2948451523"/>
+        <p14:creationId xmlns:p14="http://schemas.microsoft.com/office/powerpoint/2010/main" val="1843257659"/>
       </p:ext>
     </p:extLst>
   </p:cSld>
@@ -2763,7 +2763,7 @@
           <p:cNvPr id="2" name="标题占位符 1">
             <a:extLst>
               <a:ext uri="{FF2B5EF4-FFF2-40B4-BE49-F238E27FC236}">
-                <a16:creationId xmlns:a16="http://schemas.microsoft.com/office/drawing/2014/main" id="{90AF7D36-F6BD-7AAB-5A49-BCD65CCA7528}"/>
+                <a16:creationId xmlns:a16="http://schemas.microsoft.com/office/drawing/2014/main" id="{CF6CDB3E-A24C-63AB-1376-BC5B015761A0}"/>
               </a:ext>
             </a:extLst>
           </p:cNvPr>
@@ -2801,7 +2801,7 @@
           <p:cNvPr id="3" name="文本占位符 2">
             <a:extLst>
               <a:ext uri="{FF2B5EF4-FFF2-40B4-BE49-F238E27FC236}">
-                <a16:creationId xmlns:a16="http://schemas.microsoft.com/office/drawing/2014/main" id="{20E69D5F-E0CD-488F-1703-93B981DACC40}"/>
+                <a16:creationId xmlns:a16="http://schemas.microsoft.com/office/drawing/2014/main" id="{54D435ED-EAB6-0B77-58AD-B812AB5C419F}"/>
               </a:ext>
             </a:extLst>
           </p:cNvPr>
@@ -2868,7 +2868,7 @@
           <p:cNvPr id="4" name="日期占位符 3">
             <a:extLst>
               <a:ext uri="{FF2B5EF4-FFF2-40B4-BE49-F238E27FC236}">
-                <a16:creationId xmlns:a16="http://schemas.microsoft.com/office/drawing/2014/main" id="{7DE99011-BB2A-4913-1023-0F952E5C8D2F}"/>
+                <a16:creationId xmlns:a16="http://schemas.microsoft.com/office/drawing/2014/main" id="{71886837-279D-8F63-A40A-BD587E4235C8}"/>
               </a:ext>
             </a:extLst>
           </p:cNvPr>
@@ -2902,7 +2902,7 @@
             </a:lvl1pPr>
           </a:lstStyle>
           <a:p>
-            <a:fld id="{849CDF33-60C9-4984-88DF-4B986EE03698}" type="datetimeFigureOut">
+            <a:fld id="{8ACB63DF-1F8F-43E2-8225-233E3C0BBACA}" type="datetimeFigureOut">
               <a:rPr lang="zh-CN" altLang="en-US" smtClean="0"/>
               <a:t>2024/3/10</a:t>
             </a:fld>
@@ -2915,7 +2915,7 @@
           <p:cNvPr id="5" name="页脚占位符 4">
             <a:extLst>
               <a:ext uri="{FF2B5EF4-FFF2-40B4-BE49-F238E27FC236}">
-                <a16:creationId xmlns:a16="http://schemas.microsoft.com/office/drawing/2014/main" id="{5047E421-4189-902D-0F31-83DC9BDB486A}"/>
+                <a16:creationId xmlns:a16="http://schemas.microsoft.com/office/drawing/2014/main" id="{32D9F8E0-032F-4228-919A-7843FDB89A4B}"/>
               </a:ext>
             </a:extLst>
           </p:cNvPr>
@@ -2958,7 +2958,7 @@
           <p:cNvPr id="6" name="灯片编号占位符 5">
             <a:extLst>
               <a:ext uri="{FF2B5EF4-FFF2-40B4-BE49-F238E27FC236}">
-                <a16:creationId xmlns:a16="http://schemas.microsoft.com/office/drawing/2014/main" id="{51EF42E0-3A1A-AE87-3C51-12793891836B}"/>
+                <a16:creationId xmlns:a16="http://schemas.microsoft.com/office/drawing/2014/main" id="{67C686D1-0620-8030-D168-5E141F7DA80A}"/>
               </a:ext>
             </a:extLst>
           </p:cNvPr>
@@ -2992,7 +2992,7 @@
             </a:lvl1pPr>
           </a:lstStyle>
           <a:p>
-            <a:fld id="{A1B6061D-B33B-4161-9FF8-5D40D59998D3}" type="slidenum">
+            <a:fld id="{411D4FB6-179E-41E1-BA20-172FBBB8CEAE}" type="slidenum">
               <a:rPr lang="zh-CN" altLang="en-US" smtClean="0"/>
               <a:t>‹#›</a:t>
             </a:fld>
@@ -3003,7 +3003,7 @@
     </p:spTree>
     <p:extLst>
       <p:ext uri="{BB962C8B-B14F-4D97-AF65-F5344CB8AC3E}">
-        <p14:creationId xmlns:p14="http://schemas.microsoft.com/office/powerpoint/2010/main" val="2348239690"/>
+        <p14:creationId xmlns:p14="http://schemas.microsoft.com/office/powerpoint/2010/main" val="2294107312"/>
       </p:ext>
     </p:extLst>
   </p:cSld>
